--- a/doc/K230616_ETboard_USB 데이터 통신(파이썬)v0.91.pptx
+++ b/doc/K230616_ETboard_USB 데이터 통신(파이썬)v0.91.pptx
@@ -207,7 +207,7 @@
           <a:p>
             <a:fld id="{AD54F1AE-8A4B-4DF5-A3CE-9632DE51491E}" type="datetimeFigureOut">
               <a:rPr lang="ko-KR" altLang="en-US" smtClean="0"/>
-              <a:t>2023-06-17</a:t>
+              <a:t>2023-06-18</a:t>
             </a:fld>
             <a:endParaRPr lang="ko-KR" altLang="en-US"/>
           </a:p>
@@ -684,7 +684,7 @@
           <a:p>
             <a:fld id="{9C6D945C-D6AA-4A4B-97B9-E2B8B13FD2EC}" type="datetime1">
               <a:rPr lang="ko-KR" altLang="en-US" smtClean="0"/>
-              <a:t>2023-06-17</a:t>
+              <a:t>2023-06-18</a:t>
             </a:fld>
             <a:endParaRPr lang="ko-KR" altLang="en-US"/>
           </a:p>
@@ -993,7 +993,7 @@
           <a:p>
             <a:fld id="{1FEC0FD2-A7EA-445A-99D6-2B5D57779817}" type="datetime1">
               <a:rPr lang="ko-KR" altLang="en-US" smtClean="0"/>
-              <a:t>2023-06-17</a:t>
+              <a:t>2023-06-18</a:t>
             </a:fld>
             <a:endParaRPr lang="ko-KR" altLang="en-US"/>
           </a:p>
@@ -1121,7 +1121,7 @@
           <a:p>
             <a:fld id="{C10F6853-DEBF-4B48-BD2F-F2C856298F33}" type="datetime1">
               <a:rPr lang="ko-KR" altLang="en-US" smtClean="0"/>
-              <a:t>2023-06-17</a:t>
+              <a:t>2023-06-18</a:t>
             </a:fld>
             <a:endParaRPr lang="ko-KR" altLang="en-US"/>
           </a:p>
@@ -1612,7 +1612,7 @@
           <a:p>
             <a:fld id="{6F6DC70C-DB45-43B7-A937-29AC3B080398}" type="datetime1">
               <a:rPr lang="ko-KR" altLang="en-US" smtClean="0"/>
-              <a:t>2023-06-17</a:t>
+              <a:t>2023-06-18</a:t>
             </a:fld>
             <a:endParaRPr lang="ko-KR" altLang="en-US"/>
           </a:p>
@@ -1873,7 +1873,7 @@
           <a:p>
             <a:fld id="{94321BAC-6284-4C8C-892D-349264ED50C6}" type="datetime1">
               <a:rPr lang="ko-KR" altLang="en-US" smtClean="0"/>
-              <a:t>2023-06-17</a:t>
+              <a:t>2023-06-18</a:t>
             </a:fld>
             <a:endParaRPr lang="ko-KR" altLang="en-US"/>
           </a:p>
@@ -2047,7 +2047,7 @@
           <a:p>
             <a:fld id="{36270C18-96EC-4369-8E2A-8FFF56098375}" type="datetime1">
               <a:rPr lang="ko-KR" altLang="en-US" smtClean="0"/>
-              <a:t>2023-06-17</a:t>
+              <a:t>2023-06-18</a:t>
             </a:fld>
             <a:endParaRPr lang="ko-KR" altLang="en-US"/>
           </a:p>
@@ -2231,7 +2231,7 @@
           <a:p>
             <a:fld id="{E87E7E78-D1C8-4C1F-9F2E-354963B82D64}" type="datetime1">
               <a:rPr lang="ko-KR" altLang="en-US" smtClean="0"/>
-              <a:t>2023-06-17</a:t>
+              <a:t>2023-06-18</a:t>
             </a:fld>
             <a:endParaRPr lang="ko-KR" altLang="en-US"/>
           </a:p>
@@ -2427,7 +2427,7 @@
           <a:p>
             <a:fld id="{33507E66-0ED1-44AC-BF5C-3BE3094ECB7A}" type="datetime1">
               <a:rPr lang="ko-KR" altLang="en-US" smtClean="0"/>
-              <a:t>2023-06-17</a:t>
+              <a:t>2023-06-18</a:t>
             </a:fld>
             <a:endParaRPr lang="ko-KR" altLang="en-US"/>
           </a:p>
@@ -2656,7 +2656,7 @@
           <a:p>
             <a:fld id="{D234099D-1958-4CBE-856C-528F9F3D641C}" type="datetime1">
               <a:rPr lang="ko-KR" altLang="en-US" smtClean="0"/>
-              <a:t>2023-06-17</a:t>
+              <a:t>2023-06-18</a:t>
             </a:fld>
             <a:endParaRPr lang="ko-KR" altLang="en-US"/>
           </a:p>
@@ -3215,7 +3215,7 @@
           <a:p>
             <a:fld id="{EA9C46E7-32F7-4F04-BD7B-DC176E9D530C}" type="datetime1">
               <a:rPr lang="ko-KR" altLang="en-US" smtClean="0"/>
-              <a:t>2023-06-17</a:t>
+              <a:t>2023-06-18</a:t>
             </a:fld>
             <a:endParaRPr lang="ko-KR" altLang="en-US"/>
           </a:p>
@@ -3820,7 +3820,7 @@
           <a:p>
             <a:fld id="{6A6E3073-CE22-4FB5-8723-8316BB61671C}" type="datetime1">
               <a:rPr lang="ko-KR" altLang="en-US" smtClean="0"/>
-              <a:t>2023-06-17</a:t>
+              <a:t>2023-06-18</a:t>
             </a:fld>
             <a:endParaRPr lang="ko-KR" altLang="en-US"/>
           </a:p>
@@ -4682,7 +4682,7 @@
           <a:p>
             <a:fld id="{A1AA8C5B-BA31-48A5-90C4-4E574C2911D1}" type="datetime1">
               <a:rPr lang="ko-KR" altLang="en-US" smtClean="0"/>
-              <a:t>2023-06-17</a:t>
+              <a:t>2023-06-18</a:t>
             </a:fld>
             <a:endParaRPr lang="ko-KR" altLang="en-US"/>
           </a:p>
@@ -4944,7 +4944,7 @@
           <a:p>
             <a:fld id="{90DACE04-7946-47C8-9856-AE7C29DD34C1}" type="datetime1">
               <a:rPr lang="ko-KR" altLang="en-US" smtClean="0"/>
-              <a:t>2023-06-17</a:t>
+              <a:t>2023-06-18</a:t>
             </a:fld>
             <a:endParaRPr lang="ko-KR" altLang="en-US"/>
           </a:p>
@@ -5315,7 +5315,7 @@
           <a:p>
             <a:fld id="{67326C1C-03F5-4D75-AF7F-B8CA38A4DDDE}" type="datetime1">
               <a:rPr lang="ko-KR" altLang="en-US" smtClean="0"/>
-              <a:t>2023-06-17</a:t>
+              <a:t>2023-06-18</a:t>
             </a:fld>
             <a:endParaRPr lang="ko-KR" altLang="en-US"/>
           </a:p>
@@ -5437,7 +5437,7 @@
           <a:p>
             <a:fld id="{5491E162-9F2C-4857-A0C4-CE733F6333F2}" type="datetime1">
               <a:rPr lang="ko-KR" altLang="en-US" smtClean="0"/>
-              <a:t>2023-06-17</a:t>
+              <a:t>2023-06-18</a:t>
             </a:fld>
             <a:endParaRPr lang="ko-KR" altLang="en-US"/>
           </a:p>
@@ -5654,7 +5654,7 @@
           <a:p>
             <a:fld id="{97FBB026-3B66-44EA-8911-279B3E8E8466}" type="datetime1">
               <a:rPr lang="ko-KR" altLang="en-US" smtClean="0"/>
-              <a:t>2023-06-17</a:t>
+              <a:t>2023-06-18</a:t>
             </a:fld>
             <a:endParaRPr lang="ko-KR" altLang="en-US"/>
           </a:p>
@@ -6196,20 +6196,7 @@
                 <a:ea typeface="맑은 고딕" panose="020B0503020000020004" pitchFamily="50" charset="-127"/>
                 <a:cs typeface="KoPubWorld돋움체_Pro Bold" panose="00000800000000000000" pitchFamily="50" charset="-127"/>
               </a:rPr>
-              <a:t>데이터</a:t>
-            </a:r>
-            <a:r>
-              <a:rPr lang="ko-KR" altLang="en-US" sz="4400" b="1" smtClean="0">
-                <a:ln w="3175">
-                  <a:noFill/>
-                </a:ln>
-                <a:solidFill>
-                  <a:srgbClr val="154A7B"/>
-                </a:solidFill>
-                <a:ea typeface="맑은 고딕" panose="020B0503020000020004" pitchFamily="50" charset="-127"/>
-                <a:cs typeface="KoPubWorld돋움체_Pro Bold" panose="00000800000000000000" pitchFamily="50" charset="-127"/>
-              </a:rPr>
-              <a:t> </a:t>
+              <a:t>데이터 </a:t>
             </a:r>
             <a:r>
               <a:rPr lang="ko-KR" altLang="en-US" sz="4400" b="1" dirty="0" smtClean="0">
@@ -6790,37 +6777,54 @@
       </p:sp>
       <p:pic>
         <p:nvPicPr>
-          <p:cNvPr id="2" name="그림 1"/>
+          <p:cNvPr id="1026" name="Picture 2" descr="images (255×198)"/>
           <p:cNvPicPr>
-            <a:picLocks noChangeAspect="1"/>
+            <a:picLocks noChangeAspect="1" noChangeArrowheads="1"/>
           </p:cNvPicPr>
           <p:nvPr/>
         </p:nvPicPr>
         <p:blipFill>
-          <a:blip r:embed="rId2"/>
+          <a:blip r:embed="rId2">
+            <a:extLst>
+              <a:ext uri="{28A0092B-C50C-407E-A947-70E740481C1C}">
+                <a14:useLocalDpi xmlns:a14="http://schemas.microsoft.com/office/drawing/2010/main" val="0"/>
+              </a:ext>
+            </a:extLst>
+          </a:blip>
+          <a:srcRect/>
           <a:stretch>
             <a:fillRect/>
           </a:stretch>
         </p:blipFill>
-        <p:spPr>
-          <a:xfrm>
-            <a:off x="1006350" y="2236944"/>
-            <a:ext cx="4845299" cy="3556183"/>
+        <p:spPr bwMode="auto">
+          <a:xfrm>
+            <a:off x="825376" y="3146425"/>
+            <a:ext cx="2428875" cy="1885950"/>
           </a:xfrm>
           <a:prstGeom prst="rect">
             <a:avLst/>
           </a:prstGeom>
+          <a:noFill/>
+          <a:extLst>
+            <a:ext uri="{909E8E84-426E-40DD-AFC4-6F175D3DCCD1}">
+              <a14:hiddenFill xmlns:a14="http://schemas.microsoft.com/office/drawing/2010/main">
+                <a:solidFill>
+                  <a:srgbClr val="FFFFFF"/>
+                </a:solidFill>
+              </a14:hiddenFill>
+            </a:ext>
+          </a:extLst>
         </p:spPr>
       </p:pic>
       <p:sp>
         <p:nvSpPr>
-          <p:cNvPr id="26" name="모서리가 둥근 직사각형 25"/>
+          <p:cNvPr id="29" name="모서리가 둥근 직사각형 28"/>
           <p:cNvSpPr/>
           <p:nvPr/>
         </p:nvSpPr>
         <p:spPr>
           <a:xfrm>
-            <a:off x="3936175" y="3063889"/>
+            <a:off x="2350715" y="2238542"/>
             <a:ext cx="1556575" cy="568149"/>
           </a:xfrm>
           <a:prstGeom prst="roundRect">
@@ -6850,7 +6854,7 @@
             <a:pPr algn="ctr"/>
             <a:r>
               <a:rPr lang="en-US" altLang="ko-KR" sz="1400" b="1" dirty="0" smtClean="0"/>
-              <a:t>Stop/Restart</a:t>
+              <a:t>Reset</a:t>
             </a:r>
             <a:endParaRPr lang="ko-KR" altLang="en-US" sz="1400" b="1" dirty="0"/>
           </a:p>
@@ -6858,21 +6862,17 @@
       </p:sp>
       <p:cxnSp>
         <p:nvCxnSpPr>
-          <p:cNvPr id="27" name="꺾인 연결선 26"/>
-          <p:cNvCxnSpPr>
-            <a:stCxn id="28" idx="6"/>
-          </p:cNvCxnSpPr>
+          <p:cNvPr id="30" name="꺾인 연결선 29"/>
+          <p:cNvCxnSpPr/>
           <p:nvPr/>
         </p:nvCxnSpPr>
         <p:spPr>
-          <a:xfrm>
-            <a:off x="2915300" y="2646768"/>
-            <a:ext cx="1020875" cy="701195"/>
-          </a:xfrm>
-          <a:prstGeom prst="bentConnector3">
-            <a:avLst>
-              <a:gd name="adj1" fmla="val 49067"/>
-            </a:avLst>
+          <a:xfrm rot="5400000" flipH="1" flipV="1">
+            <a:off x="1427022" y="2180732"/>
+            <a:ext cx="577044" cy="1270342"/>
+          </a:xfrm>
+          <a:prstGeom prst="bentConnector2">
+            <a:avLst/>
           </a:prstGeom>
           <a:ln w="28575">
             <a:tailEnd type="triangle"/>
@@ -6895,202 +6895,13 @@
       </p:cxnSp>
       <p:sp>
         <p:nvSpPr>
-          <p:cNvPr id="28" name="타원 27"/>
-          <p:cNvSpPr/>
-          <p:nvPr/>
-        </p:nvSpPr>
-        <p:spPr>
-          <a:xfrm>
-            <a:off x="2666998" y="2522617"/>
-            <a:ext cx="248302" cy="248302"/>
-          </a:xfrm>
-          <a:prstGeom prst="ellipse">
-            <a:avLst/>
-          </a:prstGeom>
-          <a:noFill/>
-        </p:spPr>
-        <p:style>
-          <a:lnRef idx="2">
-            <a:schemeClr val="accent1">
-              <a:shade val="50000"/>
-            </a:schemeClr>
-          </a:lnRef>
-          <a:fillRef idx="1">
-            <a:schemeClr val="accent1"/>
-          </a:fillRef>
-          <a:effectRef idx="0">
-            <a:schemeClr val="accent1"/>
-          </a:effectRef>
-          <a:fontRef idx="minor">
-            <a:schemeClr val="lt1"/>
-          </a:fontRef>
-        </p:style>
-        <p:txBody>
-          <a:bodyPr rtlCol="0" anchor="ctr"/>
-          <a:lstStyle/>
-          <a:p>
-            <a:pPr algn="ctr"/>
-            <a:endParaRPr lang="ko-KR" altLang="en-US"/>
-          </a:p>
-        </p:txBody>
-      </p:sp>
-      <p:sp>
-        <p:nvSpPr>
-          <p:cNvPr id="3" name="TextBox 2"/>
-          <p:cNvSpPr txBox="1"/>
-          <p:nvPr/>
-        </p:nvSpPr>
-        <p:spPr>
-          <a:xfrm>
-            <a:off x="6451600" y="3829050"/>
-            <a:ext cx="646331" cy="369332"/>
-          </a:xfrm>
-          <a:prstGeom prst="rect">
-            <a:avLst/>
-          </a:prstGeom>
-          <a:noFill/>
-        </p:spPr>
-        <p:txBody>
-          <a:bodyPr wrap="none" rtlCol="0">
-            <a:spAutoFit/>
-          </a:bodyPr>
-          <a:lstStyle/>
-          <a:p>
-            <a:r>
-              <a:rPr lang="ko-KR" altLang="en-US" dirty="0" smtClean="0"/>
-              <a:t>또는</a:t>
-            </a:r>
-            <a:endParaRPr lang="ko-KR" altLang="en-US" dirty="0"/>
-          </a:p>
-        </p:txBody>
-      </p:sp>
-      <p:pic>
-        <p:nvPicPr>
-          <p:cNvPr id="1026" name="Picture 2" descr="images (255×198)"/>
-          <p:cNvPicPr>
-            <a:picLocks noChangeAspect="1" noChangeArrowheads="1"/>
-          </p:cNvPicPr>
-          <p:nvPr/>
-        </p:nvPicPr>
-        <p:blipFill>
-          <a:blip r:embed="rId3">
-            <a:extLst>
-              <a:ext uri="{28A0092B-C50C-407E-A947-70E740481C1C}">
-                <a14:useLocalDpi xmlns:a14="http://schemas.microsoft.com/office/drawing/2010/main" val="0"/>
-              </a:ext>
-            </a:extLst>
-          </a:blip>
-          <a:srcRect/>
-          <a:stretch>
-            <a:fillRect/>
-          </a:stretch>
-        </p:blipFill>
-        <p:spPr bwMode="auto">
-          <a:xfrm>
-            <a:off x="7567036" y="3146425"/>
-            <a:ext cx="2428875" cy="1885950"/>
-          </a:xfrm>
-          <a:prstGeom prst="rect">
-            <a:avLst/>
-          </a:prstGeom>
-          <a:noFill/>
-          <a:extLst>
-            <a:ext uri="{909E8E84-426E-40DD-AFC4-6F175D3DCCD1}">
-              <a14:hiddenFill xmlns:a14="http://schemas.microsoft.com/office/drawing/2010/main">
-                <a:solidFill>
-                  <a:srgbClr val="FFFFFF"/>
-                </a:solidFill>
-              </a14:hiddenFill>
-            </a:ext>
-          </a:extLst>
-        </p:spPr>
-      </p:pic>
-      <p:sp>
-        <p:nvSpPr>
-          <p:cNvPr id="29" name="모서리가 둥근 직사각형 28"/>
-          <p:cNvSpPr/>
-          <p:nvPr/>
-        </p:nvSpPr>
-        <p:spPr>
-          <a:xfrm>
-            <a:off x="9092375" y="2238542"/>
-            <a:ext cx="1556575" cy="568149"/>
-          </a:xfrm>
-          <a:prstGeom prst="roundRect">
-            <a:avLst/>
-          </a:prstGeom>
-        </p:spPr>
-        <p:style>
-          <a:lnRef idx="2">
-            <a:schemeClr val="accent4">
-              <a:shade val="50000"/>
-            </a:schemeClr>
-          </a:lnRef>
-          <a:fillRef idx="1">
-            <a:schemeClr val="accent4"/>
-          </a:fillRef>
-          <a:effectRef idx="0">
-            <a:schemeClr val="accent4"/>
-          </a:effectRef>
-          <a:fontRef idx="minor">
-            <a:schemeClr val="lt1"/>
-          </a:fontRef>
-        </p:style>
-        <p:txBody>
-          <a:bodyPr rtlCol="0" anchor="ctr"/>
-          <a:lstStyle/>
-          <a:p>
-            <a:pPr algn="ctr"/>
-            <a:r>
-              <a:rPr lang="en-US" altLang="ko-KR" sz="1400" b="1" dirty="0" smtClean="0"/>
-              <a:t>Reset</a:t>
-            </a:r>
-            <a:endParaRPr lang="ko-KR" altLang="en-US" sz="1400" b="1" dirty="0"/>
-          </a:p>
-        </p:txBody>
-      </p:sp>
-      <p:cxnSp>
-        <p:nvCxnSpPr>
-          <p:cNvPr id="30" name="꺾인 연결선 29"/>
-          <p:cNvCxnSpPr/>
-          <p:nvPr/>
-        </p:nvCxnSpPr>
-        <p:spPr>
-          <a:xfrm rot="5400000" flipH="1" flipV="1">
-            <a:off x="8168682" y="2180732"/>
-            <a:ext cx="577044" cy="1270342"/>
-          </a:xfrm>
-          <a:prstGeom prst="bentConnector2">
-            <a:avLst/>
-          </a:prstGeom>
-          <a:ln w="28575">
-            <a:tailEnd type="triangle"/>
-          </a:ln>
-        </p:spPr>
-        <p:style>
-          <a:lnRef idx="1">
-            <a:schemeClr val="accent1"/>
-          </a:lnRef>
-          <a:fillRef idx="0">
-            <a:schemeClr val="accent1"/>
-          </a:fillRef>
-          <a:effectRef idx="0">
-            <a:schemeClr val="accent1"/>
-          </a:effectRef>
-          <a:fontRef idx="minor">
-            <a:schemeClr val="tx1"/>
-          </a:fontRef>
-        </p:style>
-      </p:cxnSp>
-      <p:sp>
-        <p:nvSpPr>
           <p:cNvPr id="31" name="타원 30"/>
           <p:cNvSpPr/>
           <p:nvPr/>
         </p:nvSpPr>
         <p:spPr>
           <a:xfrm>
-            <a:off x="7697882" y="3118717"/>
+            <a:off x="956222" y="3118717"/>
             <a:ext cx="248302" cy="248302"/>
           </a:xfrm>
           <a:prstGeom prst="ellipse">
@@ -10192,7 +10003,7 @@
           <a:p>
             <a:pPr algn="ctr"/>
             <a:r>
-              <a:rPr lang="ko-KR" altLang="en-US" sz="1600" b="1" dirty="0">
+              <a:rPr lang="ko-KR" altLang="en-US" sz="1600" b="1" dirty="0" smtClean="0">
                 <a:solidFill>
                   <a:srgbClr val="00717D"/>
                 </a:solidFill>
@@ -10200,8 +10011,16 @@
                 <a:ea typeface="Arial"/>
                 <a:cs typeface="Arial"/>
               </a:rPr>
-              <a:t>응용프로그램</a:t>
-            </a:r>
+              <a:t>응용 프로그램</a:t>
+            </a:r>
+            <a:endParaRPr lang="ko-KR" altLang="en-US" sz="1600" b="1" dirty="0">
+              <a:solidFill>
+                <a:srgbClr val="00717D"/>
+              </a:solidFill>
+              <a:latin typeface="Arial"/>
+              <a:ea typeface="Arial"/>
+              <a:cs typeface="Arial"/>
+            </a:endParaRPr>
           </a:p>
         </p:txBody>
       </p:sp>
@@ -12660,7 +12479,7 @@
           <a:p>
             <a:pPr algn="ctr"/>
             <a:r>
-              <a:rPr lang="ko-KR" altLang="en-US" sz="1600" b="1" dirty="0" err="1" smtClean="0">
+              <a:rPr lang="ko-KR" altLang="en-US" sz="1600" b="1" dirty="0" smtClean="0">
                 <a:solidFill>
                   <a:srgbClr val="00717D"/>
                 </a:solidFill>
@@ -12668,7 +12487,7 @@
                 <a:ea typeface="Arial"/>
                 <a:cs typeface="Arial"/>
               </a:rPr>
-              <a:t>명령창</a:t>
+              <a:t>응용 프로그램</a:t>
             </a:r>
             <a:endParaRPr lang="ko-KR" altLang="en-US" sz="1600" b="1" dirty="0">
               <a:solidFill>
@@ -12843,6 +12662,13 @@
   <p:clrMapOvr>
     <a:masterClrMapping/>
   </p:clrMapOvr>
+  <p:timing>
+    <p:tnLst>
+      <p:par>
+        <p:cTn id="1" dur="indefinite" restart="never" nodeType="tmRoot"/>
+      </p:par>
+    </p:tnLst>
+  </p:timing>
 </p:sld>
 </file>
 
